--- a/ppt 16-9/1105.永活的主.pptx
+++ b/ppt 16-9/1105.永活的主.pptx
@@ -129,7 +129,7 @@
           <p:cNvPr id="2" name="标题 1">
             <a:extLst>
               <a:ext uri="{FF2B5EF4-FFF2-40B4-BE49-F238E27FC236}">
-                <a16:creationId xmlns:a16="http://schemas.microsoft.com/office/drawing/2014/main" id="{1B920093-00AC-F58C-4EFF-2FF76DB09B04}"/>
+                <a16:creationId xmlns:a16="http://schemas.microsoft.com/office/drawing/2014/main" id="{1541CC49-3775-137C-DD17-779998316075}"/>
               </a:ext>
             </a:extLst>
           </p:cNvPr>
@@ -166,7 +166,7 @@
           <p:cNvPr id="3" name="副标题 2">
             <a:extLst>
               <a:ext uri="{FF2B5EF4-FFF2-40B4-BE49-F238E27FC236}">
-                <a16:creationId xmlns:a16="http://schemas.microsoft.com/office/drawing/2014/main" id="{0D221857-7594-2325-AA9D-5DB7C2C59292}"/>
+                <a16:creationId xmlns:a16="http://schemas.microsoft.com/office/drawing/2014/main" id="{55F3CE8C-FFD1-C223-1564-77659411A5CE}"/>
               </a:ext>
             </a:extLst>
           </p:cNvPr>
@@ -236,7 +236,7 @@
           <p:cNvPr id="4" name="日期占位符 3">
             <a:extLst>
               <a:ext uri="{FF2B5EF4-FFF2-40B4-BE49-F238E27FC236}">
-                <a16:creationId xmlns:a16="http://schemas.microsoft.com/office/drawing/2014/main" id="{92A8E614-155C-27C7-B48C-686A9E15F048}"/>
+                <a16:creationId xmlns:a16="http://schemas.microsoft.com/office/drawing/2014/main" id="{53A9D28C-4C36-5007-B73B-C1927CF3188A}"/>
               </a:ext>
             </a:extLst>
           </p:cNvPr>
@@ -252,7 +252,7 @@
           <a:bodyPr/>
           <a:lstStyle/>
           <a:p>
-            <a:fld id="{E87D4672-F626-4F02-A906-7BBF677536EC}" type="datetimeFigureOut">
+            <a:fld id="{A1B42228-F02B-4A57-8C51-0055391A6819}" type="datetimeFigureOut">
               <a:rPr lang="zh-CN" altLang="en-US" smtClean="0"/>
               <a:t>2024/3/10</a:t>
             </a:fld>
@@ -265,7 +265,7 @@
           <p:cNvPr id="5" name="页脚占位符 4">
             <a:extLst>
               <a:ext uri="{FF2B5EF4-FFF2-40B4-BE49-F238E27FC236}">
-                <a16:creationId xmlns:a16="http://schemas.microsoft.com/office/drawing/2014/main" id="{04B880A6-D486-C463-440D-5AF507449CD3}"/>
+                <a16:creationId xmlns:a16="http://schemas.microsoft.com/office/drawing/2014/main" id="{1E5464C3-7351-9FEB-8FBB-6D5CFBE65CE0}"/>
               </a:ext>
             </a:extLst>
           </p:cNvPr>
@@ -290,7 +290,7 @@
           <p:cNvPr id="6" name="灯片编号占位符 5">
             <a:extLst>
               <a:ext uri="{FF2B5EF4-FFF2-40B4-BE49-F238E27FC236}">
-                <a16:creationId xmlns:a16="http://schemas.microsoft.com/office/drawing/2014/main" id="{533DB67B-F08D-8D43-3443-CC4DAA8FC600}"/>
+                <a16:creationId xmlns:a16="http://schemas.microsoft.com/office/drawing/2014/main" id="{2025BF5D-9BB0-02C2-DF91-7B9A81F1555A}"/>
               </a:ext>
             </a:extLst>
           </p:cNvPr>
@@ -306,7 +306,7 @@
           <a:bodyPr/>
           <a:lstStyle/>
           <a:p>
-            <a:fld id="{60AFD494-4889-4F04-B2DD-6ACA0D4B6484}" type="slidenum">
+            <a:fld id="{11F960CE-F021-42E1-B00C-FFB33F87944F}" type="slidenum">
               <a:rPr lang="zh-CN" altLang="en-US" smtClean="0"/>
               <a:t>‹#›</a:t>
             </a:fld>
@@ -317,7 +317,7 @@
     </p:spTree>
     <p:extLst>
       <p:ext uri="{BB962C8B-B14F-4D97-AF65-F5344CB8AC3E}">
-        <p14:creationId xmlns:p14="http://schemas.microsoft.com/office/powerpoint/2010/main" val="1644743783"/>
+        <p14:creationId xmlns:p14="http://schemas.microsoft.com/office/powerpoint/2010/main" val="3716367392"/>
       </p:ext>
     </p:extLst>
   </p:cSld>
@@ -349,7 +349,7 @@
           <p:cNvPr id="2" name="标题 1">
             <a:extLst>
               <a:ext uri="{FF2B5EF4-FFF2-40B4-BE49-F238E27FC236}">
-                <a16:creationId xmlns:a16="http://schemas.microsoft.com/office/drawing/2014/main" id="{E902BCD4-906F-383E-8C5D-A3FB6519198F}"/>
+                <a16:creationId xmlns:a16="http://schemas.microsoft.com/office/drawing/2014/main" id="{6E272DA5-8F09-5423-B13D-28A27AC3EC0E}"/>
               </a:ext>
             </a:extLst>
           </p:cNvPr>
@@ -377,7 +377,7 @@
           <p:cNvPr id="3" name="竖排文字占位符 2">
             <a:extLst>
               <a:ext uri="{FF2B5EF4-FFF2-40B4-BE49-F238E27FC236}">
-                <a16:creationId xmlns:a16="http://schemas.microsoft.com/office/drawing/2014/main" id="{4A2FBC36-AC6F-A61D-01DF-1E88B2C00AB9}"/>
+                <a16:creationId xmlns:a16="http://schemas.microsoft.com/office/drawing/2014/main" id="{19630B9A-DB37-EE42-2F80-C22B1CF5115F}"/>
               </a:ext>
             </a:extLst>
           </p:cNvPr>
@@ -434,7 +434,7 @@
           <p:cNvPr id="4" name="日期占位符 3">
             <a:extLst>
               <a:ext uri="{FF2B5EF4-FFF2-40B4-BE49-F238E27FC236}">
-                <a16:creationId xmlns:a16="http://schemas.microsoft.com/office/drawing/2014/main" id="{A91988B7-6BDE-319E-0EA0-8E89046EF0E6}"/>
+                <a16:creationId xmlns:a16="http://schemas.microsoft.com/office/drawing/2014/main" id="{BB615B8B-1D9B-085E-A4D0-9BB252C82137}"/>
               </a:ext>
             </a:extLst>
           </p:cNvPr>
@@ -450,7 +450,7 @@
           <a:bodyPr/>
           <a:lstStyle/>
           <a:p>
-            <a:fld id="{E87D4672-F626-4F02-A906-7BBF677536EC}" type="datetimeFigureOut">
+            <a:fld id="{A1B42228-F02B-4A57-8C51-0055391A6819}" type="datetimeFigureOut">
               <a:rPr lang="zh-CN" altLang="en-US" smtClean="0"/>
               <a:t>2024/3/10</a:t>
             </a:fld>
@@ -463,7 +463,7 @@
           <p:cNvPr id="5" name="页脚占位符 4">
             <a:extLst>
               <a:ext uri="{FF2B5EF4-FFF2-40B4-BE49-F238E27FC236}">
-                <a16:creationId xmlns:a16="http://schemas.microsoft.com/office/drawing/2014/main" id="{B53D65C4-67D6-0602-8A41-0BF3A1075AD6}"/>
+                <a16:creationId xmlns:a16="http://schemas.microsoft.com/office/drawing/2014/main" id="{B478816D-CF7D-FC9B-AEE1-B78E07DAB9B8}"/>
               </a:ext>
             </a:extLst>
           </p:cNvPr>
@@ -488,7 +488,7 @@
           <p:cNvPr id="6" name="灯片编号占位符 5">
             <a:extLst>
               <a:ext uri="{FF2B5EF4-FFF2-40B4-BE49-F238E27FC236}">
-                <a16:creationId xmlns:a16="http://schemas.microsoft.com/office/drawing/2014/main" id="{D0399EF5-F610-B4FF-482C-391A8068A0EF}"/>
+                <a16:creationId xmlns:a16="http://schemas.microsoft.com/office/drawing/2014/main" id="{549ECA6D-AD99-A09F-6646-EE32E6A368C5}"/>
               </a:ext>
             </a:extLst>
           </p:cNvPr>
@@ -504,7 +504,7 @@
           <a:bodyPr/>
           <a:lstStyle/>
           <a:p>
-            <a:fld id="{60AFD494-4889-4F04-B2DD-6ACA0D4B6484}" type="slidenum">
+            <a:fld id="{11F960CE-F021-42E1-B00C-FFB33F87944F}" type="slidenum">
               <a:rPr lang="zh-CN" altLang="en-US" smtClean="0"/>
               <a:t>‹#›</a:t>
             </a:fld>
@@ -515,7 +515,7 @@
     </p:spTree>
     <p:extLst>
       <p:ext uri="{BB962C8B-B14F-4D97-AF65-F5344CB8AC3E}">
-        <p14:creationId xmlns:p14="http://schemas.microsoft.com/office/powerpoint/2010/main" val="884566831"/>
+        <p14:creationId xmlns:p14="http://schemas.microsoft.com/office/powerpoint/2010/main" val="2947084763"/>
       </p:ext>
     </p:extLst>
   </p:cSld>
@@ -547,7 +547,7 @@
           <p:cNvPr id="2" name="竖排标题 1">
             <a:extLst>
               <a:ext uri="{FF2B5EF4-FFF2-40B4-BE49-F238E27FC236}">
-                <a16:creationId xmlns:a16="http://schemas.microsoft.com/office/drawing/2014/main" id="{ECDB4F54-B6EB-CE6D-5D65-EA0255D06050}"/>
+                <a16:creationId xmlns:a16="http://schemas.microsoft.com/office/drawing/2014/main" id="{9072AE0F-B4B1-9637-0A10-1B7F2D36083C}"/>
               </a:ext>
             </a:extLst>
           </p:cNvPr>
@@ -580,7 +580,7 @@
           <p:cNvPr id="3" name="竖排文字占位符 2">
             <a:extLst>
               <a:ext uri="{FF2B5EF4-FFF2-40B4-BE49-F238E27FC236}">
-                <a16:creationId xmlns:a16="http://schemas.microsoft.com/office/drawing/2014/main" id="{27395D25-D7F3-F58B-7B15-A78266AC5435}"/>
+                <a16:creationId xmlns:a16="http://schemas.microsoft.com/office/drawing/2014/main" id="{3EAFD0F8-3A5C-4169-2D92-91534ED764D1}"/>
               </a:ext>
             </a:extLst>
           </p:cNvPr>
@@ -642,7 +642,7 @@
           <p:cNvPr id="4" name="日期占位符 3">
             <a:extLst>
               <a:ext uri="{FF2B5EF4-FFF2-40B4-BE49-F238E27FC236}">
-                <a16:creationId xmlns:a16="http://schemas.microsoft.com/office/drawing/2014/main" id="{497AAEBA-B336-9FED-3388-ECE586959AFE}"/>
+                <a16:creationId xmlns:a16="http://schemas.microsoft.com/office/drawing/2014/main" id="{8814184F-54FF-C8E4-0682-7A874A2BA7DF}"/>
               </a:ext>
             </a:extLst>
           </p:cNvPr>
@@ -658,7 +658,7 @@
           <a:bodyPr/>
           <a:lstStyle/>
           <a:p>
-            <a:fld id="{E87D4672-F626-4F02-A906-7BBF677536EC}" type="datetimeFigureOut">
+            <a:fld id="{A1B42228-F02B-4A57-8C51-0055391A6819}" type="datetimeFigureOut">
               <a:rPr lang="zh-CN" altLang="en-US" smtClean="0"/>
               <a:t>2024/3/10</a:t>
             </a:fld>
@@ -671,7 +671,7 @@
           <p:cNvPr id="5" name="页脚占位符 4">
             <a:extLst>
               <a:ext uri="{FF2B5EF4-FFF2-40B4-BE49-F238E27FC236}">
-                <a16:creationId xmlns:a16="http://schemas.microsoft.com/office/drawing/2014/main" id="{04E111C5-D53E-2A7F-299E-06C5D10EB218}"/>
+                <a16:creationId xmlns:a16="http://schemas.microsoft.com/office/drawing/2014/main" id="{0E4FAC02-984B-981C-6968-DD6532F188BB}"/>
               </a:ext>
             </a:extLst>
           </p:cNvPr>
@@ -696,7 +696,7 @@
           <p:cNvPr id="6" name="灯片编号占位符 5">
             <a:extLst>
               <a:ext uri="{FF2B5EF4-FFF2-40B4-BE49-F238E27FC236}">
-                <a16:creationId xmlns:a16="http://schemas.microsoft.com/office/drawing/2014/main" id="{205558C7-7FBC-3DE6-CAAF-6FA1ED348A1F}"/>
+                <a16:creationId xmlns:a16="http://schemas.microsoft.com/office/drawing/2014/main" id="{0C5532B4-61F7-6438-0BCA-4B8AB1DEC72C}"/>
               </a:ext>
             </a:extLst>
           </p:cNvPr>
@@ -712,7 +712,7 @@
           <a:bodyPr/>
           <a:lstStyle/>
           <a:p>
-            <a:fld id="{60AFD494-4889-4F04-B2DD-6ACA0D4B6484}" type="slidenum">
+            <a:fld id="{11F960CE-F021-42E1-B00C-FFB33F87944F}" type="slidenum">
               <a:rPr lang="zh-CN" altLang="en-US" smtClean="0"/>
               <a:t>‹#›</a:t>
             </a:fld>
@@ -723,7 +723,7 @@
     </p:spTree>
     <p:extLst>
       <p:ext uri="{BB962C8B-B14F-4D97-AF65-F5344CB8AC3E}">
-        <p14:creationId xmlns:p14="http://schemas.microsoft.com/office/powerpoint/2010/main" val="1847238299"/>
+        <p14:creationId xmlns:p14="http://schemas.microsoft.com/office/powerpoint/2010/main" val="3783541250"/>
       </p:ext>
     </p:extLst>
   </p:cSld>
@@ -755,7 +755,7 @@
           <p:cNvPr id="2" name="标题 1">
             <a:extLst>
               <a:ext uri="{FF2B5EF4-FFF2-40B4-BE49-F238E27FC236}">
-                <a16:creationId xmlns:a16="http://schemas.microsoft.com/office/drawing/2014/main" id="{ABD6BC31-95EE-7009-4791-8C4902E64D86}"/>
+                <a16:creationId xmlns:a16="http://schemas.microsoft.com/office/drawing/2014/main" id="{507843A0-6565-8A6C-36BB-7B87D569678A}"/>
               </a:ext>
             </a:extLst>
           </p:cNvPr>
@@ -783,7 +783,7 @@
           <p:cNvPr id="3" name="内容占位符 2">
             <a:extLst>
               <a:ext uri="{FF2B5EF4-FFF2-40B4-BE49-F238E27FC236}">
-                <a16:creationId xmlns:a16="http://schemas.microsoft.com/office/drawing/2014/main" id="{C088304C-F5AE-46A3-75B5-8B04819F323D}"/>
+                <a16:creationId xmlns:a16="http://schemas.microsoft.com/office/drawing/2014/main" id="{70F304E2-6C87-927B-94B2-B35E71BBD6E2}"/>
               </a:ext>
             </a:extLst>
           </p:cNvPr>
@@ -840,7 +840,7 @@
           <p:cNvPr id="4" name="日期占位符 3">
             <a:extLst>
               <a:ext uri="{FF2B5EF4-FFF2-40B4-BE49-F238E27FC236}">
-                <a16:creationId xmlns:a16="http://schemas.microsoft.com/office/drawing/2014/main" id="{536DAD71-3BA2-FCC2-C5F1-ACAAD491BDAB}"/>
+                <a16:creationId xmlns:a16="http://schemas.microsoft.com/office/drawing/2014/main" id="{2D38B570-8405-B44E-1CD0-8533949C823A}"/>
               </a:ext>
             </a:extLst>
           </p:cNvPr>
@@ -856,7 +856,7 @@
           <a:bodyPr/>
           <a:lstStyle/>
           <a:p>
-            <a:fld id="{E87D4672-F626-4F02-A906-7BBF677536EC}" type="datetimeFigureOut">
+            <a:fld id="{A1B42228-F02B-4A57-8C51-0055391A6819}" type="datetimeFigureOut">
               <a:rPr lang="zh-CN" altLang="en-US" smtClean="0"/>
               <a:t>2024/3/10</a:t>
             </a:fld>
@@ -869,7 +869,7 @@
           <p:cNvPr id="5" name="页脚占位符 4">
             <a:extLst>
               <a:ext uri="{FF2B5EF4-FFF2-40B4-BE49-F238E27FC236}">
-                <a16:creationId xmlns:a16="http://schemas.microsoft.com/office/drawing/2014/main" id="{82440223-2194-9948-3106-20EDB3E1A4EB}"/>
+                <a16:creationId xmlns:a16="http://schemas.microsoft.com/office/drawing/2014/main" id="{563F7093-782C-ADC2-6F66-3013CBDE97B8}"/>
               </a:ext>
             </a:extLst>
           </p:cNvPr>
@@ -894,7 +894,7 @@
           <p:cNvPr id="6" name="灯片编号占位符 5">
             <a:extLst>
               <a:ext uri="{FF2B5EF4-FFF2-40B4-BE49-F238E27FC236}">
-                <a16:creationId xmlns:a16="http://schemas.microsoft.com/office/drawing/2014/main" id="{724FE623-4F30-6F7B-68EF-01DB03F876A3}"/>
+                <a16:creationId xmlns:a16="http://schemas.microsoft.com/office/drawing/2014/main" id="{7ABB60B1-0FBC-8849-1E90-C416EA45ED6E}"/>
               </a:ext>
             </a:extLst>
           </p:cNvPr>
@@ -910,7 +910,7 @@
           <a:bodyPr/>
           <a:lstStyle/>
           <a:p>
-            <a:fld id="{60AFD494-4889-4F04-B2DD-6ACA0D4B6484}" type="slidenum">
+            <a:fld id="{11F960CE-F021-42E1-B00C-FFB33F87944F}" type="slidenum">
               <a:rPr lang="zh-CN" altLang="en-US" smtClean="0"/>
               <a:t>‹#›</a:t>
             </a:fld>
@@ -921,7 +921,7 @@
     </p:spTree>
     <p:extLst>
       <p:ext uri="{BB962C8B-B14F-4D97-AF65-F5344CB8AC3E}">
-        <p14:creationId xmlns:p14="http://schemas.microsoft.com/office/powerpoint/2010/main" val="540132072"/>
+        <p14:creationId xmlns:p14="http://schemas.microsoft.com/office/powerpoint/2010/main" val="3660324560"/>
       </p:ext>
     </p:extLst>
   </p:cSld>
@@ -953,7 +953,7 @@
           <p:cNvPr id="2" name="标题 1">
             <a:extLst>
               <a:ext uri="{FF2B5EF4-FFF2-40B4-BE49-F238E27FC236}">
-                <a16:creationId xmlns:a16="http://schemas.microsoft.com/office/drawing/2014/main" id="{D99C35D5-57A5-4898-B477-ED59EA3E617E}"/>
+                <a16:creationId xmlns:a16="http://schemas.microsoft.com/office/drawing/2014/main" id="{59839726-BE85-0D0A-5AE7-D1C96350CEFF}"/>
               </a:ext>
             </a:extLst>
           </p:cNvPr>
@@ -990,7 +990,7 @@
           <p:cNvPr id="3" name="文本占位符 2">
             <a:extLst>
               <a:ext uri="{FF2B5EF4-FFF2-40B4-BE49-F238E27FC236}">
-                <a16:creationId xmlns:a16="http://schemas.microsoft.com/office/drawing/2014/main" id="{1CF7773A-BE86-9B2F-D3B9-8C719CC85F06}"/>
+                <a16:creationId xmlns:a16="http://schemas.microsoft.com/office/drawing/2014/main" id="{609B6F63-CDFE-E25D-5B55-571A19EA5092}"/>
               </a:ext>
             </a:extLst>
           </p:cNvPr>
@@ -1115,7 +1115,7 @@
           <p:cNvPr id="4" name="日期占位符 3">
             <a:extLst>
               <a:ext uri="{FF2B5EF4-FFF2-40B4-BE49-F238E27FC236}">
-                <a16:creationId xmlns:a16="http://schemas.microsoft.com/office/drawing/2014/main" id="{F634FE83-6B28-D4F3-8E5B-AA518F45A706}"/>
+                <a16:creationId xmlns:a16="http://schemas.microsoft.com/office/drawing/2014/main" id="{45027FA7-FA7C-320D-AC4C-A7A0BB49B3BB}"/>
               </a:ext>
             </a:extLst>
           </p:cNvPr>
@@ -1131,7 +1131,7 @@
           <a:bodyPr/>
           <a:lstStyle/>
           <a:p>
-            <a:fld id="{E87D4672-F626-4F02-A906-7BBF677536EC}" type="datetimeFigureOut">
+            <a:fld id="{A1B42228-F02B-4A57-8C51-0055391A6819}" type="datetimeFigureOut">
               <a:rPr lang="zh-CN" altLang="en-US" smtClean="0"/>
               <a:t>2024/3/10</a:t>
             </a:fld>
@@ -1144,7 +1144,7 @@
           <p:cNvPr id="5" name="页脚占位符 4">
             <a:extLst>
               <a:ext uri="{FF2B5EF4-FFF2-40B4-BE49-F238E27FC236}">
-                <a16:creationId xmlns:a16="http://schemas.microsoft.com/office/drawing/2014/main" id="{0C65B192-9F42-5E98-804D-71C2EDA2D819}"/>
+                <a16:creationId xmlns:a16="http://schemas.microsoft.com/office/drawing/2014/main" id="{FA582F11-CE73-744C-B79B-46DD51F1BF62}"/>
               </a:ext>
             </a:extLst>
           </p:cNvPr>
@@ -1169,7 +1169,7 @@
           <p:cNvPr id="6" name="灯片编号占位符 5">
             <a:extLst>
               <a:ext uri="{FF2B5EF4-FFF2-40B4-BE49-F238E27FC236}">
-                <a16:creationId xmlns:a16="http://schemas.microsoft.com/office/drawing/2014/main" id="{C4D14D15-E547-22FA-6FFA-4DBC0EADE552}"/>
+                <a16:creationId xmlns:a16="http://schemas.microsoft.com/office/drawing/2014/main" id="{5838065A-98B1-920B-24BF-C7234DC8C11D}"/>
               </a:ext>
             </a:extLst>
           </p:cNvPr>
@@ -1185,7 +1185,7 @@
           <a:bodyPr/>
           <a:lstStyle/>
           <a:p>
-            <a:fld id="{60AFD494-4889-4F04-B2DD-6ACA0D4B6484}" type="slidenum">
+            <a:fld id="{11F960CE-F021-42E1-B00C-FFB33F87944F}" type="slidenum">
               <a:rPr lang="zh-CN" altLang="en-US" smtClean="0"/>
               <a:t>‹#›</a:t>
             </a:fld>
@@ -1196,7 +1196,7 @@
     </p:spTree>
     <p:extLst>
       <p:ext uri="{BB962C8B-B14F-4D97-AF65-F5344CB8AC3E}">
-        <p14:creationId xmlns:p14="http://schemas.microsoft.com/office/powerpoint/2010/main" val="1046363284"/>
+        <p14:creationId xmlns:p14="http://schemas.microsoft.com/office/powerpoint/2010/main" val="280985669"/>
       </p:ext>
     </p:extLst>
   </p:cSld>
@@ -1228,7 +1228,7 @@
           <p:cNvPr id="2" name="标题 1">
             <a:extLst>
               <a:ext uri="{FF2B5EF4-FFF2-40B4-BE49-F238E27FC236}">
-                <a16:creationId xmlns:a16="http://schemas.microsoft.com/office/drawing/2014/main" id="{9DA3EB9B-AEC0-A27C-C880-CCC6EF308352}"/>
+                <a16:creationId xmlns:a16="http://schemas.microsoft.com/office/drawing/2014/main" id="{088A5D7D-4833-B14A-921A-324F67A2C5A8}"/>
               </a:ext>
             </a:extLst>
           </p:cNvPr>
@@ -1256,7 +1256,7 @@
           <p:cNvPr id="3" name="内容占位符 2">
             <a:extLst>
               <a:ext uri="{FF2B5EF4-FFF2-40B4-BE49-F238E27FC236}">
-                <a16:creationId xmlns:a16="http://schemas.microsoft.com/office/drawing/2014/main" id="{331E283F-0EFD-B264-A0EC-937C759516F9}"/>
+                <a16:creationId xmlns:a16="http://schemas.microsoft.com/office/drawing/2014/main" id="{6F250B3D-BB5E-A72F-1C10-386198A5A871}"/>
               </a:ext>
             </a:extLst>
           </p:cNvPr>
@@ -1318,7 +1318,7 @@
           <p:cNvPr id="4" name="内容占位符 3">
             <a:extLst>
               <a:ext uri="{FF2B5EF4-FFF2-40B4-BE49-F238E27FC236}">
-                <a16:creationId xmlns:a16="http://schemas.microsoft.com/office/drawing/2014/main" id="{E02C04FD-6494-1CED-6479-0255D91BA209}"/>
+                <a16:creationId xmlns:a16="http://schemas.microsoft.com/office/drawing/2014/main" id="{A1383737-878F-C047-5BEF-C75797A9A5DF}"/>
               </a:ext>
             </a:extLst>
           </p:cNvPr>
@@ -1380,7 +1380,7 @@
           <p:cNvPr id="5" name="日期占位符 4">
             <a:extLst>
               <a:ext uri="{FF2B5EF4-FFF2-40B4-BE49-F238E27FC236}">
-                <a16:creationId xmlns:a16="http://schemas.microsoft.com/office/drawing/2014/main" id="{13493692-6C0C-5407-24C0-C83E57FD44DB}"/>
+                <a16:creationId xmlns:a16="http://schemas.microsoft.com/office/drawing/2014/main" id="{5C17CCB1-6625-BA7A-A7A2-042B2BA5CD64}"/>
               </a:ext>
             </a:extLst>
           </p:cNvPr>
@@ -1396,7 +1396,7 @@
           <a:bodyPr/>
           <a:lstStyle/>
           <a:p>
-            <a:fld id="{E87D4672-F626-4F02-A906-7BBF677536EC}" type="datetimeFigureOut">
+            <a:fld id="{A1B42228-F02B-4A57-8C51-0055391A6819}" type="datetimeFigureOut">
               <a:rPr lang="zh-CN" altLang="en-US" smtClean="0"/>
               <a:t>2024/3/10</a:t>
             </a:fld>
@@ -1409,7 +1409,7 @@
           <p:cNvPr id="6" name="页脚占位符 5">
             <a:extLst>
               <a:ext uri="{FF2B5EF4-FFF2-40B4-BE49-F238E27FC236}">
-                <a16:creationId xmlns:a16="http://schemas.microsoft.com/office/drawing/2014/main" id="{9A0E8E75-886E-A51E-3398-0BF1B3F03558}"/>
+                <a16:creationId xmlns:a16="http://schemas.microsoft.com/office/drawing/2014/main" id="{198452CB-750F-B725-EE83-ABA64C832B5E}"/>
               </a:ext>
             </a:extLst>
           </p:cNvPr>
@@ -1434,7 +1434,7 @@
           <p:cNvPr id="7" name="灯片编号占位符 6">
             <a:extLst>
               <a:ext uri="{FF2B5EF4-FFF2-40B4-BE49-F238E27FC236}">
-                <a16:creationId xmlns:a16="http://schemas.microsoft.com/office/drawing/2014/main" id="{C9BCC0D6-532B-BC0D-3D9D-616EE691FDCD}"/>
+                <a16:creationId xmlns:a16="http://schemas.microsoft.com/office/drawing/2014/main" id="{69803B41-C06F-1EC0-1267-14224B1A25F5}"/>
               </a:ext>
             </a:extLst>
           </p:cNvPr>
@@ -1450,7 +1450,7 @@
           <a:bodyPr/>
           <a:lstStyle/>
           <a:p>
-            <a:fld id="{60AFD494-4889-4F04-B2DD-6ACA0D4B6484}" type="slidenum">
+            <a:fld id="{11F960CE-F021-42E1-B00C-FFB33F87944F}" type="slidenum">
               <a:rPr lang="zh-CN" altLang="en-US" smtClean="0"/>
               <a:t>‹#›</a:t>
             </a:fld>
@@ -1461,7 +1461,7 @@
     </p:spTree>
     <p:extLst>
       <p:ext uri="{BB962C8B-B14F-4D97-AF65-F5344CB8AC3E}">
-        <p14:creationId xmlns:p14="http://schemas.microsoft.com/office/powerpoint/2010/main" val="423335340"/>
+        <p14:creationId xmlns:p14="http://schemas.microsoft.com/office/powerpoint/2010/main" val="3201561523"/>
       </p:ext>
     </p:extLst>
   </p:cSld>
@@ -1493,7 +1493,7 @@
           <p:cNvPr id="2" name="标题 1">
             <a:extLst>
               <a:ext uri="{FF2B5EF4-FFF2-40B4-BE49-F238E27FC236}">
-                <a16:creationId xmlns:a16="http://schemas.microsoft.com/office/drawing/2014/main" id="{06E89DCB-EEB2-DA71-54DA-A7BADB560E20}"/>
+                <a16:creationId xmlns:a16="http://schemas.microsoft.com/office/drawing/2014/main" id="{C861B82A-31AB-7BF9-9D3E-F67E65DCCAB4}"/>
               </a:ext>
             </a:extLst>
           </p:cNvPr>
@@ -1526,7 +1526,7 @@
           <p:cNvPr id="3" name="文本占位符 2">
             <a:extLst>
               <a:ext uri="{FF2B5EF4-FFF2-40B4-BE49-F238E27FC236}">
-                <a16:creationId xmlns:a16="http://schemas.microsoft.com/office/drawing/2014/main" id="{CDB69BA2-9C47-84D2-0D53-FB8C6A9D4A15}"/>
+                <a16:creationId xmlns:a16="http://schemas.microsoft.com/office/drawing/2014/main" id="{503C4135-C0C2-7F62-1019-0E54AC6DC4A2}"/>
               </a:ext>
             </a:extLst>
           </p:cNvPr>
@@ -1597,7 +1597,7 @@
           <p:cNvPr id="4" name="内容占位符 3">
             <a:extLst>
               <a:ext uri="{FF2B5EF4-FFF2-40B4-BE49-F238E27FC236}">
-                <a16:creationId xmlns:a16="http://schemas.microsoft.com/office/drawing/2014/main" id="{64117BB9-9FAD-FEBE-9F87-EF9E04939DCF}"/>
+                <a16:creationId xmlns:a16="http://schemas.microsoft.com/office/drawing/2014/main" id="{E62CB605-7EDC-480B-1BC0-ED0B5DF0E45E}"/>
               </a:ext>
             </a:extLst>
           </p:cNvPr>
@@ -1659,7 +1659,7 @@
           <p:cNvPr id="5" name="文本占位符 4">
             <a:extLst>
               <a:ext uri="{FF2B5EF4-FFF2-40B4-BE49-F238E27FC236}">
-                <a16:creationId xmlns:a16="http://schemas.microsoft.com/office/drawing/2014/main" id="{85C312DD-6DBC-1781-E37D-7F74D8108D3D}"/>
+                <a16:creationId xmlns:a16="http://schemas.microsoft.com/office/drawing/2014/main" id="{5D6CD164-53A2-8DE7-73E5-8B1E7C4B82BB}"/>
               </a:ext>
             </a:extLst>
           </p:cNvPr>
@@ -1730,7 +1730,7 @@
           <p:cNvPr id="6" name="内容占位符 5">
             <a:extLst>
               <a:ext uri="{FF2B5EF4-FFF2-40B4-BE49-F238E27FC236}">
-                <a16:creationId xmlns:a16="http://schemas.microsoft.com/office/drawing/2014/main" id="{27B2226B-DBED-60D2-7779-02F7D59BB30E}"/>
+                <a16:creationId xmlns:a16="http://schemas.microsoft.com/office/drawing/2014/main" id="{F85E6411-4ED9-8B59-0E10-FDC208F684F6}"/>
               </a:ext>
             </a:extLst>
           </p:cNvPr>
@@ -1792,7 +1792,7 @@
           <p:cNvPr id="7" name="日期占位符 6">
             <a:extLst>
               <a:ext uri="{FF2B5EF4-FFF2-40B4-BE49-F238E27FC236}">
-                <a16:creationId xmlns:a16="http://schemas.microsoft.com/office/drawing/2014/main" id="{7A77B00A-39D8-A822-08AA-0796F017E927}"/>
+                <a16:creationId xmlns:a16="http://schemas.microsoft.com/office/drawing/2014/main" id="{96E72D66-2EFB-3E06-59EE-D7C30AEBBB79}"/>
               </a:ext>
             </a:extLst>
           </p:cNvPr>
@@ -1808,7 +1808,7 @@
           <a:bodyPr/>
           <a:lstStyle/>
           <a:p>
-            <a:fld id="{E87D4672-F626-4F02-A906-7BBF677536EC}" type="datetimeFigureOut">
+            <a:fld id="{A1B42228-F02B-4A57-8C51-0055391A6819}" type="datetimeFigureOut">
               <a:rPr lang="zh-CN" altLang="en-US" smtClean="0"/>
               <a:t>2024/3/10</a:t>
             </a:fld>
@@ -1821,7 +1821,7 @@
           <p:cNvPr id="8" name="页脚占位符 7">
             <a:extLst>
               <a:ext uri="{FF2B5EF4-FFF2-40B4-BE49-F238E27FC236}">
-                <a16:creationId xmlns:a16="http://schemas.microsoft.com/office/drawing/2014/main" id="{6D0473E4-4618-65B4-3672-237CD5CB9D68}"/>
+                <a16:creationId xmlns:a16="http://schemas.microsoft.com/office/drawing/2014/main" id="{43A9A30F-524E-000E-EC45-E275DF21F196}"/>
               </a:ext>
             </a:extLst>
           </p:cNvPr>
@@ -1846,7 +1846,7 @@
           <p:cNvPr id="9" name="灯片编号占位符 8">
             <a:extLst>
               <a:ext uri="{FF2B5EF4-FFF2-40B4-BE49-F238E27FC236}">
-                <a16:creationId xmlns:a16="http://schemas.microsoft.com/office/drawing/2014/main" id="{8E84C402-8D9D-22C0-BF32-0376C9AA2CB2}"/>
+                <a16:creationId xmlns:a16="http://schemas.microsoft.com/office/drawing/2014/main" id="{E4C0553D-D35E-23F5-0DE0-06B309A23CBB}"/>
               </a:ext>
             </a:extLst>
           </p:cNvPr>
@@ -1862,7 +1862,7 @@
           <a:bodyPr/>
           <a:lstStyle/>
           <a:p>
-            <a:fld id="{60AFD494-4889-4F04-B2DD-6ACA0D4B6484}" type="slidenum">
+            <a:fld id="{11F960CE-F021-42E1-B00C-FFB33F87944F}" type="slidenum">
               <a:rPr lang="zh-CN" altLang="en-US" smtClean="0"/>
               <a:t>‹#›</a:t>
             </a:fld>
@@ -1873,7 +1873,7 @@
     </p:spTree>
     <p:extLst>
       <p:ext uri="{BB962C8B-B14F-4D97-AF65-F5344CB8AC3E}">
-        <p14:creationId xmlns:p14="http://schemas.microsoft.com/office/powerpoint/2010/main" val="590558906"/>
+        <p14:creationId xmlns:p14="http://schemas.microsoft.com/office/powerpoint/2010/main" val="2806026169"/>
       </p:ext>
     </p:extLst>
   </p:cSld>
@@ -1905,7 +1905,7 @@
           <p:cNvPr id="2" name="标题 1">
             <a:extLst>
               <a:ext uri="{FF2B5EF4-FFF2-40B4-BE49-F238E27FC236}">
-                <a16:creationId xmlns:a16="http://schemas.microsoft.com/office/drawing/2014/main" id="{5CF62E3D-5A18-A761-C572-D878E7F635A8}"/>
+                <a16:creationId xmlns:a16="http://schemas.microsoft.com/office/drawing/2014/main" id="{59BBE44A-996A-48A9-DD0D-548FA0BE64E4}"/>
               </a:ext>
             </a:extLst>
           </p:cNvPr>
@@ -1933,7 +1933,7 @@
           <p:cNvPr id="3" name="日期占位符 2">
             <a:extLst>
               <a:ext uri="{FF2B5EF4-FFF2-40B4-BE49-F238E27FC236}">
-                <a16:creationId xmlns:a16="http://schemas.microsoft.com/office/drawing/2014/main" id="{A5E8DC66-9E7C-59DC-3557-509435192DE0}"/>
+                <a16:creationId xmlns:a16="http://schemas.microsoft.com/office/drawing/2014/main" id="{536E0B70-1F66-0949-132E-81FD32DC2F5C}"/>
               </a:ext>
             </a:extLst>
           </p:cNvPr>
@@ -1949,7 +1949,7 @@
           <a:bodyPr/>
           <a:lstStyle/>
           <a:p>
-            <a:fld id="{E87D4672-F626-4F02-A906-7BBF677536EC}" type="datetimeFigureOut">
+            <a:fld id="{A1B42228-F02B-4A57-8C51-0055391A6819}" type="datetimeFigureOut">
               <a:rPr lang="zh-CN" altLang="en-US" smtClean="0"/>
               <a:t>2024/3/10</a:t>
             </a:fld>
@@ -1962,7 +1962,7 @@
           <p:cNvPr id="4" name="页脚占位符 3">
             <a:extLst>
               <a:ext uri="{FF2B5EF4-FFF2-40B4-BE49-F238E27FC236}">
-                <a16:creationId xmlns:a16="http://schemas.microsoft.com/office/drawing/2014/main" id="{C1965B36-9038-9E3D-7EE6-CF0E8933CC11}"/>
+                <a16:creationId xmlns:a16="http://schemas.microsoft.com/office/drawing/2014/main" id="{74A4E6B3-01F4-509A-5155-BC1050FC84AF}"/>
               </a:ext>
             </a:extLst>
           </p:cNvPr>
@@ -1987,7 +1987,7 @@
           <p:cNvPr id="5" name="灯片编号占位符 4">
             <a:extLst>
               <a:ext uri="{FF2B5EF4-FFF2-40B4-BE49-F238E27FC236}">
-                <a16:creationId xmlns:a16="http://schemas.microsoft.com/office/drawing/2014/main" id="{811F7C6D-452B-D104-81FA-6A19A334480E}"/>
+                <a16:creationId xmlns:a16="http://schemas.microsoft.com/office/drawing/2014/main" id="{01698C7A-C216-B591-19D0-AD7165C80ACC}"/>
               </a:ext>
             </a:extLst>
           </p:cNvPr>
@@ -2003,7 +2003,7 @@
           <a:bodyPr/>
           <a:lstStyle/>
           <a:p>
-            <a:fld id="{60AFD494-4889-4F04-B2DD-6ACA0D4B6484}" type="slidenum">
+            <a:fld id="{11F960CE-F021-42E1-B00C-FFB33F87944F}" type="slidenum">
               <a:rPr lang="zh-CN" altLang="en-US" smtClean="0"/>
               <a:t>‹#›</a:t>
             </a:fld>
@@ -2014,7 +2014,7 @@
     </p:spTree>
     <p:extLst>
       <p:ext uri="{BB962C8B-B14F-4D97-AF65-F5344CB8AC3E}">
-        <p14:creationId xmlns:p14="http://schemas.microsoft.com/office/powerpoint/2010/main" val="2213112922"/>
+        <p14:creationId xmlns:p14="http://schemas.microsoft.com/office/powerpoint/2010/main" val="4131327074"/>
       </p:ext>
     </p:extLst>
   </p:cSld>
@@ -2046,7 +2046,7 @@
           <p:cNvPr id="2" name="日期占位符 1">
             <a:extLst>
               <a:ext uri="{FF2B5EF4-FFF2-40B4-BE49-F238E27FC236}">
-                <a16:creationId xmlns:a16="http://schemas.microsoft.com/office/drawing/2014/main" id="{80E52541-923B-B12C-944E-7CFC2B8F2943}"/>
+                <a16:creationId xmlns:a16="http://schemas.microsoft.com/office/drawing/2014/main" id="{13A56A34-87B3-514B-F71C-8C2320DA9D39}"/>
               </a:ext>
             </a:extLst>
           </p:cNvPr>
@@ -2062,7 +2062,7 @@
           <a:bodyPr/>
           <a:lstStyle/>
           <a:p>
-            <a:fld id="{E87D4672-F626-4F02-A906-7BBF677536EC}" type="datetimeFigureOut">
+            <a:fld id="{A1B42228-F02B-4A57-8C51-0055391A6819}" type="datetimeFigureOut">
               <a:rPr lang="zh-CN" altLang="en-US" smtClean="0"/>
               <a:t>2024/3/10</a:t>
             </a:fld>
@@ -2075,7 +2075,7 @@
           <p:cNvPr id="3" name="页脚占位符 2">
             <a:extLst>
               <a:ext uri="{FF2B5EF4-FFF2-40B4-BE49-F238E27FC236}">
-                <a16:creationId xmlns:a16="http://schemas.microsoft.com/office/drawing/2014/main" id="{C13E7EAD-C633-A707-AC23-5E8F3F1F30E9}"/>
+                <a16:creationId xmlns:a16="http://schemas.microsoft.com/office/drawing/2014/main" id="{2810645C-23EA-E775-6979-C0BA40EAF95B}"/>
               </a:ext>
             </a:extLst>
           </p:cNvPr>
@@ -2100,7 +2100,7 @@
           <p:cNvPr id="4" name="灯片编号占位符 3">
             <a:extLst>
               <a:ext uri="{FF2B5EF4-FFF2-40B4-BE49-F238E27FC236}">
-                <a16:creationId xmlns:a16="http://schemas.microsoft.com/office/drawing/2014/main" id="{0A188F59-307E-A892-2AE0-EEFD8F033D11}"/>
+                <a16:creationId xmlns:a16="http://schemas.microsoft.com/office/drawing/2014/main" id="{7BB91B90-3E6C-3756-0425-DDA4D41833A3}"/>
               </a:ext>
             </a:extLst>
           </p:cNvPr>
@@ -2116,7 +2116,7 @@
           <a:bodyPr/>
           <a:lstStyle/>
           <a:p>
-            <a:fld id="{60AFD494-4889-4F04-B2DD-6ACA0D4B6484}" type="slidenum">
+            <a:fld id="{11F960CE-F021-42E1-B00C-FFB33F87944F}" type="slidenum">
               <a:rPr lang="zh-CN" altLang="en-US" smtClean="0"/>
               <a:t>‹#›</a:t>
             </a:fld>
@@ -2127,7 +2127,7 @@
     </p:spTree>
     <p:extLst>
       <p:ext uri="{BB962C8B-B14F-4D97-AF65-F5344CB8AC3E}">
-        <p14:creationId xmlns:p14="http://schemas.microsoft.com/office/powerpoint/2010/main" val="3334615190"/>
+        <p14:creationId xmlns:p14="http://schemas.microsoft.com/office/powerpoint/2010/main" val="1292828559"/>
       </p:ext>
     </p:extLst>
   </p:cSld>
@@ -2159,7 +2159,7 @@
           <p:cNvPr id="2" name="标题 1">
             <a:extLst>
               <a:ext uri="{FF2B5EF4-FFF2-40B4-BE49-F238E27FC236}">
-                <a16:creationId xmlns:a16="http://schemas.microsoft.com/office/drawing/2014/main" id="{059730DA-1B4A-0E75-818B-A039320A44D3}"/>
+                <a16:creationId xmlns:a16="http://schemas.microsoft.com/office/drawing/2014/main" id="{347AE77A-9DFB-9997-8FA0-A7FDD5B231CE}"/>
               </a:ext>
             </a:extLst>
           </p:cNvPr>
@@ -2196,7 +2196,7 @@
           <p:cNvPr id="3" name="内容占位符 2">
             <a:extLst>
               <a:ext uri="{FF2B5EF4-FFF2-40B4-BE49-F238E27FC236}">
-                <a16:creationId xmlns:a16="http://schemas.microsoft.com/office/drawing/2014/main" id="{C5F2CE96-959F-C73F-0221-CD90D644100E}"/>
+                <a16:creationId xmlns:a16="http://schemas.microsoft.com/office/drawing/2014/main" id="{4082894D-2606-3ACD-D52C-89B3352C5471}"/>
               </a:ext>
             </a:extLst>
           </p:cNvPr>
@@ -2286,7 +2286,7 @@
           <p:cNvPr id="4" name="文本占位符 3">
             <a:extLst>
               <a:ext uri="{FF2B5EF4-FFF2-40B4-BE49-F238E27FC236}">
-                <a16:creationId xmlns:a16="http://schemas.microsoft.com/office/drawing/2014/main" id="{2B9B1AAA-34A0-54E3-A487-527422676913}"/>
+                <a16:creationId xmlns:a16="http://schemas.microsoft.com/office/drawing/2014/main" id="{3D16ECC7-43C9-9042-500B-3D4615BB1DFC}"/>
               </a:ext>
             </a:extLst>
           </p:cNvPr>
@@ -2357,7 +2357,7 @@
           <p:cNvPr id="5" name="日期占位符 4">
             <a:extLst>
               <a:ext uri="{FF2B5EF4-FFF2-40B4-BE49-F238E27FC236}">
-                <a16:creationId xmlns:a16="http://schemas.microsoft.com/office/drawing/2014/main" id="{295673C0-F3E8-3AF3-CFAA-BC8463D45B97}"/>
+                <a16:creationId xmlns:a16="http://schemas.microsoft.com/office/drawing/2014/main" id="{67E6C834-0C1F-7F46-528E-D8F8CEDE0B7E}"/>
               </a:ext>
             </a:extLst>
           </p:cNvPr>
@@ -2373,7 +2373,7 @@
           <a:bodyPr/>
           <a:lstStyle/>
           <a:p>
-            <a:fld id="{E87D4672-F626-4F02-A906-7BBF677536EC}" type="datetimeFigureOut">
+            <a:fld id="{A1B42228-F02B-4A57-8C51-0055391A6819}" type="datetimeFigureOut">
               <a:rPr lang="zh-CN" altLang="en-US" smtClean="0"/>
               <a:t>2024/3/10</a:t>
             </a:fld>
@@ -2386,7 +2386,7 @@
           <p:cNvPr id="6" name="页脚占位符 5">
             <a:extLst>
               <a:ext uri="{FF2B5EF4-FFF2-40B4-BE49-F238E27FC236}">
-                <a16:creationId xmlns:a16="http://schemas.microsoft.com/office/drawing/2014/main" id="{B34D445C-4982-CDCB-ACF4-C796CB1213A3}"/>
+                <a16:creationId xmlns:a16="http://schemas.microsoft.com/office/drawing/2014/main" id="{60C83CCC-C48B-D403-31D1-483E77F9E74F}"/>
               </a:ext>
             </a:extLst>
           </p:cNvPr>
@@ -2411,7 +2411,7 @@
           <p:cNvPr id="7" name="灯片编号占位符 6">
             <a:extLst>
               <a:ext uri="{FF2B5EF4-FFF2-40B4-BE49-F238E27FC236}">
-                <a16:creationId xmlns:a16="http://schemas.microsoft.com/office/drawing/2014/main" id="{4C2A817A-2909-5CF9-9CB0-0E9A6F43200F}"/>
+                <a16:creationId xmlns:a16="http://schemas.microsoft.com/office/drawing/2014/main" id="{F7BB37F0-C4F7-0AE7-CB83-33916D895315}"/>
               </a:ext>
             </a:extLst>
           </p:cNvPr>
@@ -2427,7 +2427,7 @@
           <a:bodyPr/>
           <a:lstStyle/>
           <a:p>
-            <a:fld id="{60AFD494-4889-4F04-B2DD-6ACA0D4B6484}" type="slidenum">
+            <a:fld id="{11F960CE-F021-42E1-B00C-FFB33F87944F}" type="slidenum">
               <a:rPr lang="zh-CN" altLang="en-US" smtClean="0"/>
               <a:t>‹#›</a:t>
             </a:fld>
@@ -2438,7 +2438,7 @@
     </p:spTree>
     <p:extLst>
       <p:ext uri="{BB962C8B-B14F-4D97-AF65-F5344CB8AC3E}">
-        <p14:creationId xmlns:p14="http://schemas.microsoft.com/office/powerpoint/2010/main" val="3174352214"/>
+        <p14:creationId xmlns:p14="http://schemas.microsoft.com/office/powerpoint/2010/main" val="2794855454"/>
       </p:ext>
     </p:extLst>
   </p:cSld>
@@ -2470,7 +2470,7 @@
           <p:cNvPr id="2" name="标题 1">
             <a:extLst>
               <a:ext uri="{FF2B5EF4-FFF2-40B4-BE49-F238E27FC236}">
-                <a16:creationId xmlns:a16="http://schemas.microsoft.com/office/drawing/2014/main" id="{6A38CA2B-C362-6A52-9B67-5274147D1F23}"/>
+                <a16:creationId xmlns:a16="http://schemas.microsoft.com/office/drawing/2014/main" id="{0B79D970-9729-5DA8-8904-B9C18E33AE9B}"/>
               </a:ext>
             </a:extLst>
           </p:cNvPr>
@@ -2507,7 +2507,7 @@
           <p:cNvPr id="3" name="图片占位符 2">
             <a:extLst>
               <a:ext uri="{FF2B5EF4-FFF2-40B4-BE49-F238E27FC236}">
-                <a16:creationId xmlns:a16="http://schemas.microsoft.com/office/drawing/2014/main" id="{DEC3F2B3-045B-0028-1F12-35C6CEB2A6ED}"/>
+                <a16:creationId xmlns:a16="http://schemas.microsoft.com/office/drawing/2014/main" id="{5CBAB6A7-864B-AB93-7187-76A26E643A4C}"/>
               </a:ext>
             </a:extLst>
           </p:cNvPr>
@@ -2574,7 +2574,7 @@
           <p:cNvPr id="4" name="文本占位符 3">
             <a:extLst>
               <a:ext uri="{FF2B5EF4-FFF2-40B4-BE49-F238E27FC236}">
-                <a16:creationId xmlns:a16="http://schemas.microsoft.com/office/drawing/2014/main" id="{C0AF99F0-54B2-EC6B-FE67-4873348CCBFF}"/>
+                <a16:creationId xmlns:a16="http://schemas.microsoft.com/office/drawing/2014/main" id="{5A4A7B26-FD04-3E85-B5D7-6D5FEBA15993}"/>
               </a:ext>
             </a:extLst>
           </p:cNvPr>
@@ -2645,7 +2645,7 @@
           <p:cNvPr id="5" name="日期占位符 4">
             <a:extLst>
               <a:ext uri="{FF2B5EF4-FFF2-40B4-BE49-F238E27FC236}">
-                <a16:creationId xmlns:a16="http://schemas.microsoft.com/office/drawing/2014/main" id="{69868E51-173F-26AE-0186-04FA11B33357}"/>
+                <a16:creationId xmlns:a16="http://schemas.microsoft.com/office/drawing/2014/main" id="{2C7A91FF-34F2-6AA2-161E-93B51A3980F8}"/>
               </a:ext>
             </a:extLst>
           </p:cNvPr>
@@ -2661,7 +2661,7 @@
           <a:bodyPr/>
           <a:lstStyle/>
           <a:p>
-            <a:fld id="{E87D4672-F626-4F02-A906-7BBF677536EC}" type="datetimeFigureOut">
+            <a:fld id="{A1B42228-F02B-4A57-8C51-0055391A6819}" type="datetimeFigureOut">
               <a:rPr lang="zh-CN" altLang="en-US" smtClean="0"/>
               <a:t>2024/3/10</a:t>
             </a:fld>
@@ -2674,7 +2674,7 @@
           <p:cNvPr id="6" name="页脚占位符 5">
             <a:extLst>
               <a:ext uri="{FF2B5EF4-FFF2-40B4-BE49-F238E27FC236}">
-                <a16:creationId xmlns:a16="http://schemas.microsoft.com/office/drawing/2014/main" id="{4730280B-5ED4-6A4F-0BE5-1528E2405ADF}"/>
+                <a16:creationId xmlns:a16="http://schemas.microsoft.com/office/drawing/2014/main" id="{9DA441B8-1406-9687-99BE-09094E58D4C0}"/>
               </a:ext>
             </a:extLst>
           </p:cNvPr>
@@ -2699,7 +2699,7 @@
           <p:cNvPr id="7" name="灯片编号占位符 6">
             <a:extLst>
               <a:ext uri="{FF2B5EF4-FFF2-40B4-BE49-F238E27FC236}">
-                <a16:creationId xmlns:a16="http://schemas.microsoft.com/office/drawing/2014/main" id="{1F5D3066-2749-8AD0-84A4-1025E30FFEA9}"/>
+                <a16:creationId xmlns:a16="http://schemas.microsoft.com/office/drawing/2014/main" id="{737347D2-36BE-4796-0893-38126274B5E0}"/>
               </a:ext>
             </a:extLst>
           </p:cNvPr>
@@ -2715,7 +2715,7 @@
           <a:bodyPr/>
           <a:lstStyle/>
           <a:p>
-            <a:fld id="{60AFD494-4889-4F04-B2DD-6ACA0D4B6484}" type="slidenum">
+            <a:fld id="{11F960CE-F021-42E1-B00C-FFB33F87944F}" type="slidenum">
               <a:rPr lang="zh-CN" altLang="en-US" smtClean="0"/>
               <a:t>‹#›</a:t>
             </a:fld>
@@ -2726,7 +2726,7 @@
     </p:spTree>
     <p:extLst>
       <p:ext uri="{BB962C8B-B14F-4D97-AF65-F5344CB8AC3E}">
-        <p14:creationId xmlns:p14="http://schemas.microsoft.com/office/powerpoint/2010/main" val="3587955862"/>
+        <p14:creationId xmlns:p14="http://schemas.microsoft.com/office/powerpoint/2010/main" val="456783230"/>
       </p:ext>
     </p:extLst>
   </p:cSld>
@@ -2763,7 +2763,7 @@
           <p:cNvPr id="2" name="标题占位符 1">
             <a:extLst>
               <a:ext uri="{FF2B5EF4-FFF2-40B4-BE49-F238E27FC236}">
-                <a16:creationId xmlns:a16="http://schemas.microsoft.com/office/drawing/2014/main" id="{0D0B50B6-8D49-D350-90EF-5ADF29967293}"/>
+                <a16:creationId xmlns:a16="http://schemas.microsoft.com/office/drawing/2014/main" id="{FC8838DB-90C8-542E-502F-EFD94E00D45E}"/>
               </a:ext>
             </a:extLst>
           </p:cNvPr>
@@ -2801,7 +2801,7 @@
           <p:cNvPr id="3" name="文本占位符 2">
             <a:extLst>
               <a:ext uri="{FF2B5EF4-FFF2-40B4-BE49-F238E27FC236}">
-                <a16:creationId xmlns:a16="http://schemas.microsoft.com/office/drawing/2014/main" id="{F7AA0CF9-E39E-953F-01FD-B36AD9D2BF29}"/>
+                <a16:creationId xmlns:a16="http://schemas.microsoft.com/office/drawing/2014/main" id="{D07461A7-A3E4-3D77-071E-73D50E705B45}"/>
               </a:ext>
             </a:extLst>
           </p:cNvPr>
@@ -2868,7 +2868,7 @@
           <p:cNvPr id="4" name="日期占位符 3">
             <a:extLst>
               <a:ext uri="{FF2B5EF4-FFF2-40B4-BE49-F238E27FC236}">
-                <a16:creationId xmlns:a16="http://schemas.microsoft.com/office/drawing/2014/main" id="{D6933B8B-1E73-6E36-94AE-07B9AF9EB054}"/>
+                <a16:creationId xmlns:a16="http://schemas.microsoft.com/office/drawing/2014/main" id="{0BE286E9-FD31-6AB7-14B4-39782E352B57}"/>
               </a:ext>
             </a:extLst>
           </p:cNvPr>
@@ -2902,7 +2902,7 @@
             </a:lvl1pPr>
           </a:lstStyle>
           <a:p>
-            <a:fld id="{E87D4672-F626-4F02-A906-7BBF677536EC}" type="datetimeFigureOut">
+            <a:fld id="{A1B42228-F02B-4A57-8C51-0055391A6819}" type="datetimeFigureOut">
               <a:rPr lang="zh-CN" altLang="en-US" smtClean="0"/>
               <a:t>2024/3/10</a:t>
             </a:fld>
@@ -2915,7 +2915,7 @@
           <p:cNvPr id="5" name="页脚占位符 4">
             <a:extLst>
               <a:ext uri="{FF2B5EF4-FFF2-40B4-BE49-F238E27FC236}">
-                <a16:creationId xmlns:a16="http://schemas.microsoft.com/office/drawing/2014/main" id="{62338D3C-2BB6-F56D-367C-6E09A4675483}"/>
+                <a16:creationId xmlns:a16="http://schemas.microsoft.com/office/drawing/2014/main" id="{4934F561-BC2D-6DE6-B51D-A145CD2E81B4}"/>
               </a:ext>
             </a:extLst>
           </p:cNvPr>
@@ -2958,7 +2958,7 @@
           <p:cNvPr id="6" name="灯片编号占位符 5">
             <a:extLst>
               <a:ext uri="{FF2B5EF4-FFF2-40B4-BE49-F238E27FC236}">
-                <a16:creationId xmlns:a16="http://schemas.microsoft.com/office/drawing/2014/main" id="{06118CED-99B1-1FEF-61D6-92F24900FFC4}"/>
+                <a16:creationId xmlns:a16="http://schemas.microsoft.com/office/drawing/2014/main" id="{06B1C8AE-873C-E189-F59D-77DB37321DEA}"/>
               </a:ext>
             </a:extLst>
           </p:cNvPr>
@@ -2992,7 +2992,7 @@
             </a:lvl1pPr>
           </a:lstStyle>
           <a:p>
-            <a:fld id="{60AFD494-4889-4F04-B2DD-6ACA0D4B6484}" type="slidenum">
+            <a:fld id="{11F960CE-F021-42E1-B00C-FFB33F87944F}" type="slidenum">
               <a:rPr lang="zh-CN" altLang="en-US" smtClean="0"/>
               <a:t>‹#›</a:t>
             </a:fld>
@@ -3003,7 +3003,7 @@
     </p:spTree>
     <p:extLst>
       <p:ext uri="{BB962C8B-B14F-4D97-AF65-F5344CB8AC3E}">
-        <p14:creationId xmlns:p14="http://schemas.microsoft.com/office/powerpoint/2010/main" val="3240758076"/>
+        <p14:creationId xmlns:p14="http://schemas.microsoft.com/office/powerpoint/2010/main" val="3285037319"/>
       </p:ext>
     </p:extLst>
   </p:cSld>
